--- a/lib/file_history_scripts/class.pptx
+++ b/lib/file_history_scripts/class.pptx
@@ -196,7 +196,7 @@
           <a:p>
             <a:fld id="{A25ABEAD-4D1A-6A4D-A26C-2FAEE8EDD10E}" type="datetimeFigureOut">
               <a:rPr kumimoji="1" lang="ja-JP" altLang="en-US" smtClean="0"/>
-              <a:t>14/10/31</a:t>
+              <a:t>14/11/24</a:t>
             </a:fld>
             <a:endParaRPr kumimoji="1" lang="ja-JP" altLang="en-US"/>
           </a:p>
@@ -1049,7 +1049,7 @@
           <a:p>
             <a:fld id="{E4BC00CA-11B8-B94E-B294-FD989B0EEE0B}" type="datetimeFigureOut">
               <a:rPr kumimoji="1" lang="ja-JP" altLang="en-US" smtClean="0"/>
-              <a:t>14/10/31</a:t>
+              <a:t>14/11/24</a:t>
             </a:fld>
             <a:endParaRPr kumimoji="1" lang="ja-JP" altLang="en-US"/>
           </a:p>
@@ -1251,7 +1251,7 @@
           <a:p>
             <a:fld id="{E4BC00CA-11B8-B94E-B294-FD989B0EEE0B}" type="datetimeFigureOut">
               <a:rPr kumimoji="1" lang="ja-JP" altLang="en-US" smtClean="0"/>
-              <a:t>14/10/31</a:t>
+              <a:t>14/11/24</a:t>
             </a:fld>
             <a:endParaRPr kumimoji="1" lang="ja-JP" altLang="en-US"/>
           </a:p>
@@ -1463,7 +1463,7 @@
           <a:p>
             <a:fld id="{E4BC00CA-11B8-B94E-B294-FD989B0EEE0B}" type="datetimeFigureOut">
               <a:rPr kumimoji="1" lang="ja-JP" altLang="en-US" smtClean="0"/>
-              <a:t>14/10/31</a:t>
+              <a:t>14/11/24</a:t>
             </a:fld>
             <a:endParaRPr kumimoji="1" lang="ja-JP" altLang="en-US"/>
           </a:p>
@@ -1665,7 +1665,7 @@
           <a:p>
             <a:fld id="{E4BC00CA-11B8-B94E-B294-FD989B0EEE0B}" type="datetimeFigureOut">
               <a:rPr kumimoji="1" lang="ja-JP" altLang="en-US" smtClean="0"/>
-              <a:t>14/10/31</a:t>
+              <a:t>14/11/24</a:t>
             </a:fld>
             <a:endParaRPr kumimoji="1" lang="ja-JP" altLang="en-US"/>
           </a:p>
@@ -1911,7 +1911,7 @@
           <a:p>
             <a:fld id="{E4BC00CA-11B8-B94E-B294-FD989B0EEE0B}" type="datetimeFigureOut">
               <a:rPr kumimoji="1" lang="ja-JP" altLang="en-US" smtClean="0"/>
-              <a:t>14/10/31</a:t>
+              <a:t>14/11/24</a:t>
             </a:fld>
             <a:endParaRPr kumimoji="1" lang="ja-JP" altLang="en-US"/>
           </a:p>
@@ -2263,7 +2263,7 @@
           <a:p>
             <a:fld id="{E4BC00CA-11B8-B94E-B294-FD989B0EEE0B}" type="datetimeFigureOut">
               <a:rPr kumimoji="1" lang="ja-JP" altLang="en-US" smtClean="0"/>
-              <a:t>14/10/31</a:t>
+              <a:t>14/11/24</a:t>
             </a:fld>
             <a:endParaRPr kumimoji="1" lang="ja-JP" altLang="en-US"/>
           </a:p>
@@ -2749,7 +2749,7 @@
           <a:p>
             <a:fld id="{E4BC00CA-11B8-B94E-B294-FD989B0EEE0B}" type="datetimeFigureOut">
               <a:rPr kumimoji="1" lang="ja-JP" altLang="en-US" smtClean="0"/>
-              <a:t>14/10/31</a:t>
+              <a:t>14/11/24</a:t>
             </a:fld>
             <a:endParaRPr kumimoji="1" lang="ja-JP" altLang="en-US"/>
           </a:p>
@@ -2867,7 +2867,7 @@
           <a:p>
             <a:fld id="{E4BC00CA-11B8-B94E-B294-FD989B0EEE0B}" type="datetimeFigureOut">
               <a:rPr kumimoji="1" lang="ja-JP" altLang="en-US" smtClean="0"/>
-              <a:t>14/10/31</a:t>
+              <a:t>14/11/24</a:t>
             </a:fld>
             <a:endParaRPr kumimoji="1" lang="ja-JP" altLang="en-US"/>
           </a:p>
@@ -2962,7 +2962,7 @@
           <a:p>
             <a:fld id="{E4BC00CA-11B8-B94E-B294-FD989B0EEE0B}" type="datetimeFigureOut">
               <a:rPr kumimoji="1" lang="ja-JP" altLang="en-US" smtClean="0"/>
-              <a:t>14/10/31</a:t>
+              <a:t>14/11/24</a:t>
             </a:fld>
             <a:endParaRPr kumimoji="1" lang="ja-JP" altLang="en-US"/>
           </a:p>
@@ -3271,7 +3271,7 @@
           <a:p>
             <a:fld id="{E4BC00CA-11B8-B94E-B294-FD989B0EEE0B}" type="datetimeFigureOut">
               <a:rPr kumimoji="1" lang="ja-JP" altLang="en-US" smtClean="0"/>
-              <a:t>14/10/31</a:t>
+              <a:t>14/11/24</a:t>
             </a:fld>
             <a:endParaRPr kumimoji="1" lang="ja-JP" altLang="en-US"/>
           </a:p>
@@ -3524,7 +3524,7 @@
           <a:p>
             <a:fld id="{E4BC00CA-11B8-B94E-B294-FD989B0EEE0B}" type="datetimeFigureOut">
               <a:rPr kumimoji="1" lang="ja-JP" altLang="en-US" smtClean="0"/>
-              <a:t>14/10/31</a:t>
+              <a:t>14/11/24</a:t>
             </a:fld>
             <a:endParaRPr kumimoji="1" lang="ja-JP" altLang="en-US"/>
           </a:p>
@@ -3769,7 +3769,7 @@
           <a:p>
             <a:fld id="{E4BC00CA-11B8-B94E-B294-FD989B0EEE0B}" type="datetimeFigureOut">
               <a:rPr kumimoji="1" lang="ja-JP" altLang="en-US" smtClean="0"/>
-              <a:t>14/10/31</a:t>
+              <a:t>14/11/24</a:t>
             </a:fld>
             <a:endParaRPr kumimoji="1" lang="ja-JP" altLang="en-US"/>
           </a:p>
@@ -5190,15 +5190,7 @@
                   <a:schemeClr val="tx1"/>
                 </a:solidFill>
               </a:rPr>
-              <a:t>Activity</a:t>
-            </a:r>
-            <a:r>
-              <a:rPr lang="en-US" altLang="ja-JP" dirty="0" err="1" smtClean="0">
-                <a:solidFill>
-                  <a:schemeClr val="tx1"/>
-                </a:solidFill>
-              </a:rPr>
-              <a:t>Record</a:t>
+              <a:t>ActivityRecord</a:t>
             </a:r>
             <a:endParaRPr lang="ja-JP" altLang="en-US" dirty="0"/>
           </a:p>
@@ -5926,15 +5918,7 @@
                   <a:schemeClr val="tx1"/>
                 </a:solidFill>
               </a:rPr>
-              <a:t>Activity</a:t>
-            </a:r>
-            <a:r>
-              <a:rPr lang="en-US" altLang="ja-JP" dirty="0" err="1" smtClean="0">
-                <a:solidFill>
-                  <a:schemeClr val="tx1"/>
-                </a:solidFill>
-              </a:rPr>
-              <a:t>Record</a:t>
+              <a:t>ActivityRecord</a:t>
             </a:r>
             <a:endParaRPr lang="ja-JP" altLang="en-US" dirty="0"/>
           </a:p>
@@ -9409,8 +9393,8 @@
         </p:nvSpPr>
         <p:spPr>
           <a:xfrm>
-            <a:off x="3493793" y="3228016"/>
-            <a:ext cx="1921770" cy="369332"/>
+            <a:off x="3603235" y="3228016"/>
+            <a:ext cx="1702885" cy="369332"/>
           </a:xfrm>
           <a:prstGeom prst="rect">
             <a:avLst/>
@@ -9425,7 +9409,15 @@
             <a:pPr algn="ctr"/>
             <a:r>
               <a:rPr lang="en-US" altLang="ja-JP" dirty="0" err="1" smtClean="0"/>
-              <a:t>IgnoreLibraryFilter</a:t>
+              <a:t>Ignore</a:t>
+            </a:r>
+            <a:r>
+              <a:rPr lang="en-US" altLang="ja-JP" dirty="0" err="1" smtClean="0"/>
+              <a:t>Path</a:t>
+            </a:r>
+            <a:r>
+              <a:rPr lang="en-US" altLang="ja-JP" dirty="0" err="1" smtClean="0"/>
+              <a:t>Filter</a:t>
             </a:r>
             <a:endParaRPr lang="ja-JP" altLang="en-US" dirty="0"/>
           </a:p>
@@ -9560,8 +9552,8 @@
         </p:nvSpPr>
         <p:spPr>
           <a:xfrm>
-            <a:off x="226228" y="3223786"/>
-            <a:ext cx="2749471" cy="369332"/>
+            <a:off x="730979" y="3223786"/>
+            <a:ext cx="1739967" cy="369332"/>
           </a:xfrm>
           <a:prstGeom prst="rect">
             <a:avLst/>
@@ -9576,7 +9568,15 @@
             <a:pPr algn="ctr"/>
             <a:r>
               <a:rPr lang="en-US" altLang="ja-JP" dirty="0" err="1" smtClean="0"/>
-              <a:t>AcceptHomeDirectoryFilter</a:t>
+              <a:t>Accept</a:t>
+            </a:r>
+            <a:r>
+              <a:rPr lang="en-US" altLang="ja-JP" dirty="0" err="1" smtClean="0"/>
+              <a:t>Path</a:t>
+            </a:r>
+            <a:r>
+              <a:rPr lang="en-US" altLang="ja-JP" dirty="0" err="1" smtClean="0"/>
+              <a:t>Filter</a:t>
             </a:r>
             <a:endParaRPr lang="ja-JP" altLang="en-US" dirty="0"/>
           </a:p>
@@ -9745,8 +9745,8 @@
         </p:nvSpPr>
         <p:spPr>
           <a:xfrm>
-            <a:off x="6415311" y="3223786"/>
-            <a:ext cx="1871388" cy="369332"/>
+            <a:off x="6434359" y="3223786"/>
+            <a:ext cx="1833292" cy="369332"/>
           </a:xfrm>
           <a:prstGeom prst="rect">
             <a:avLst/>
@@ -9761,7 +9761,15 @@
             <a:pPr algn="ctr"/>
             <a:r>
               <a:rPr lang="en-US" altLang="ja-JP" dirty="0" err="1" smtClean="0"/>
-              <a:t>IgnoreFinderFilter</a:t>
+              <a:t>Ignore</a:t>
+            </a:r>
+            <a:r>
+              <a:rPr lang="en-US" altLang="ja-JP" dirty="0" err="1" smtClean="0"/>
+              <a:t>Name</a:t>
+            </a:r>
+            <a:r>
+              <a:rPr lang="en-US" altLang="ja-JP" dirty="0" err="1" smtClean="0"/>
+              <a:t>Filter</a:t>
             </a:r>
             <a:endParaRPr lang="ja-JP" altLang="en-US" dirty="0"/>
           </a:p>
@@ -10517,15 +10525,7 @@
                   <a:schemeClr val="tx1"/>
                 </a:solidFill>
               </a:rPr>
-              <a:t>ActivityTracker</a:t>
-            </a:r>
-            <a:r>
-              <a:rPr lang="en-US" altLang="ja-JP" dirty="0" err="1" smtClean="0">
-                <a:solidFill>
-                  <a:schemeClr val="tx1"/>
-                </a:solidFill>
-              </a:rPr>
-              <a:t>Decorator</a:t>
+              <a:t>ActivityTrackerDecorator</a:t>
             </a:r>
             <a:endParaRPr lang="ja-JP" altLang="en-US" dirty="0"/>
           </a:p>
@@ -10718,207 +10718,6 @@
               <a:rPr kumimoji="1" lang="en-US" altLang="ja-JP" dirty="0" smtClean="0"/>
               <a:t>()</a:t>
             </a:r>
-          </a:p>
-        </p:txBody>
-      </p:sp>
-      <p:cxnSp>
-        <p:nvCxnSpPr>
-          <p:cNvPr id="70" name="直線コネクタ 69"/>
-          <p:cNvCxnSpPr/>
-          <p:nvPr/>
-        </p:nvCxnSpPr>
-        <p:spPr>
-          <a:xfrm flipH="1">
-            <a:off x="7275512" y="2847738"/>
-            <a:ext cx="843917" cy="0"/>
-          </a:xfrm>
-          <a:prstGeom prst="line">
-            <a:avLst/>
-          </a:prstGeom>
-          <a:ln w="19050">
-            <a:solidFill>
-              <a:schemeClr val="tx1"/>
-            </a:solidFill>
-            <a:prstDash val="solid"/>
-          </a:ln>
-          <a:effectLst/>
-        </p:spPr>
-        <p:style>
-          <a:lnRef idx="2">
-            <a:schemeClr val="accent1"/>
-          </a:lnRef>
-          <a:fillRef idx="0">
-            <a:schemeClr val="accent1"/>
-          </a:fillRef>
-          <a:effectRef idx="1">
-            <a:schemeClr val="accent1"/>
-          </a:effectRef>
-          <a:fontRef idx="minor">
-            <a:schemeClr val="tx1"/>
-          </a:fontRef>
-        </p:style>
-      </p:cxnSp>
-      <p:cxnSp>
-        <p:nvCxnSpPr>
-          <p:cNvPr id="85" name="直線コネクタ 84"/>
-          <p:cNvCxnSpPr/>
-          <p:nvPr/>
-        </p:nvCxnSpPr>
-        <p:spPr>
-          <a:xfrm flipH="1">
-            <a:off x="8119429" y="2847738"/>
-            <a:ext cx="843917" cy="0"/>
-          </a:xfrm>
-          <a:prstGeom prst="line">
-            <a:avLst/>
-          </a:prstGeom>
-          <a:ln w="19050">
-            <a:solidFill>
-              <a:schemeClr val="tx1"/>
-            </a:solidFill>
-            <a:prstDash val="dash"/>
-          </a:ln>
-          <a:effectLst/>
-        </p:spPr>
-        <p:style>
-          <a:lnRef idx="2">
-            <a:schemeClr val="accent1"/>
-          </a:lnRef>
-          <a:fillRef idx="0">
-            <a:schemeClr val="accent1"/>
-          </a:fillRef>
-          <a:effectRef idx="1">
-            <a:schemeClr val="accent1"/>
-          </a:effectRef>
-          <a:fontRef idx="minor">
-            <a:schemeClr val="tx1"/>
-          </a:fontRef>
-        </p:style>
-      </p:cxnSp>
-      <p:cxnSp>
-        <p:nvCxnSpPr>
-          <p:cNvPr id="87" name="直線コネクタ 86"/>
-          <p:cNvCxnSpPr/>
-          <p:nvPr/>
-        </p:nvCxnSpPr>
-        <p:spPr>
-          <a:xfrm flipH="1">
-            <a:off x="1471216" y="5568544"/>
-            <a:ext cx="843917" cy="0"/>
-          </a:xfrm>
-          <a:prstGeom prst="line">
-            <a:avLst/>
-          </a:prstGeom>
-          <a:ln w="19050">
-            <a:solidFill>
-              <a:schemeClr val="tx1"/>
-            </a:solidFill>
-            <a:prstDash val="dash"/>
-          </a:ln>
-          <a:effectLst/>
-        </p:spPr>
-        <p:style>
-          <a:lnRef idx="2">
-            <a:schemeClr val="accent1"/>
-          </a:lnRef>
-          <a:fillRef idx="0">
-            <a:schemeClr val="accent1"/>
-          </a:fillRef>
-          <a:effectRef idx="1">
-            <a:schemeClr val="accent1"/>
-          </a:effectRef>
-          <a:fontRef idx="minor">
-            <a:schemeClr val="tx1"/>
-          </a:fontRef>
-        </p:style>
-      </p:cxnSp>
-      <p:sp>
-        <p:nvSpPr>
-          <p:cNvPr id="14" name="テキスト ボックス 13"/>
-          <p:cNvSpPr txBox="1"/>
-          <p:nvPr/>
-        </p:nvSpPr>
-        <p:spPr>
-          <a:xfrm>
-            <a:off x="2315133" y="5408751"/>
-            <a:ext cx="5217895" cy="369332"/>
-          </a:xfrm>
-          <a:prstGeom prst="rect">
-            <a:avLst/>
-          </a:prstGeom>
-          <a:noFill/>
-        </p:spPr>
-        <p:txBody>
-          <a:bodyPr wrap="none" rtlCol="0">
-            <a:spAutoFit/>
-          </a:bodyPr>
-          <a:lstStyle/>
-          <a:p>
-            <a:r>
-              <a:rPr kumimoji="1" lang="ja-JP" altLang="en-US" dirty="0" smtClean="0"/>
-              <a:t>以降は無数に存在し，全て似た構成であるため割愛</a:t>
-            </a:r>
-            <a:endParaRPr kumimoji="1" lang="ja-JP" altLang="en-US" dirty="0"/>
-          </a:p>
-        </p:txBody>
-      </p:sp>
-      <p:sp>
-        <p:nvSpPr>
-          <p:cNvPr id="15" name="テキスト ボックス 14"/>
-          <p:cNvSpPr txBox="1"/>
-          <p:nvPr/>
-        </p:nvSpPr>
-        <p:spPr>
-          <a:xfrm>
-            <a:off x="1055718" y="5408751"/>
-            <a:ext cx="415498" cy="369332"/>
-          </a:xfrm>
-          <a:prstGeom prst="rect">
-            <a:avLst/>
-          </a:prstGeom>
-          <a:noFill/>
-        </p:spPr>
-        <p:txBody>
-          <a:bodyPr wrap="none" rtlCol="0">
-            <a:spAutoFit/>
-          </a:bodyPr>
-          <a:lstStyle/>
-          <a:p>
-            <a:r>
-              <a:rPr kumimoji="1" lang="en-US" altLang="ja-JP" dirty="0" smtClean="0"/>
-              <a:t>※</a:t>
-            </a:r>
-            <a:endParaRPr kumimoji="1" lang="ja-JP" altLang="en-US" dirty="0"/>
-          </a:p>
-        </p:txBody>
-      </p:sp>
-      <p:sp>
-        <p:nvSpPr>
-          <p:cNvPr id="91" name="テキスト ボックス 90"/>
-          <p:cNvSpPr txBox="1"/>
-          <p:nvPr/>
-        </p:nvSpPr>
-        <p:spPr>
-          <a:xfrm>
-            <a:off x="8541253" y="2478406"/>
-            <a:ext cx="415498" cy="369332"/>
-          </a:xfrm>
-          <a:prstGeom prst="rect">
-            <a:avLst/>
-          </a:prstGeom>
-          <a:noFill/>
-        </p:spPr>
-        <p:txBody>
-          <a:bodyPr wrap="none" rtlCol="0">
-            <a:spAutoFit/>
-          </a:bodyPr>
-          <a:lstStyle/>
-          <a:p>
-            <a:r>
-              <a:rPr kumimoji="1" lang="en-US" altLang="ja-JP" dirty="0" smtClean="0"/>
-              <a:t>※</a:t>
-            </a:r>
-            <a:endParaRPr kumimoji="1" lang="ja-JP" altLang="en-US" dirty="0"/>
           </a:p>
         </p:txBody>
       </p:sp>
